--- a/求充滿這地.pptx
+++ b/求充滿這地.pptx
@@ -10,8 +10,10 @@
     <p:sldId id="258" r:id="rId4"/>
     <p:sldId id="259" r:id="rId5"/>
     <p:sldId id="260" r:id="rId6"/>
+    <p:sldId id="261" r:id="rId7"/>
+    <p:sldId id="262" r:id="rId8"/>
   </p:sldIdLst>
-  <p:sldSz cx="9144000" cy="6858000" type="screen4x3"/>
+  <p:sldSz cx="12192000" cy="6858000"/>
   <p:notesSz cx="6858000" cy="9144000"/>
   <p:defaultTextStyle>
     <a:defPPr>
@@ -108,6 +110,22 @@
       </a:defRPr>
     </a:lvl9pPr>
   </p:defaultTextStyle>
+  <p:extLst>
+    <p:ext uri="{EFAFB233-063F-42B5-8137-9DF3F51BA10A}">
+      <p15:sldGuideLst xmlns:p15="http://schemas.microsoft.com/office/powerpoint/2012/main">
+        <p15:guide id="1" orient="horz" pos="2160" userDrawn="1">
+          <p15:clr>
+            <a:srgbClr val="A4A3A4"/>
+          </p15:clr>
+        </p15:guide>
+        <p15:guide id="2" pos="3840" userDrawn="1">
+          <p15:clr>
+            <a:srgbClr val="A4A3A4"/>
+          </p15:clr>
+        </p15:guide>
+      </p15:sldGuideLst>
+    </p:ext>
+  </p:extLst>
 </p:presentation>
 </file>
 
@@ -140,8 +158,8 @@
         </p:nvSpPr>
         <p:spPr>
           <a:xfrm>
-            <a:off x="685800" y="2130425"/>
-            <a:ext cx="7772400" cy="1470025"/>
+            <a:off x="914400" y="2130426"/>
+            <a:ext cx="10363200" cy="1470025"/>
           </a:xfrm>
         </p:spPr>
         <p:txBody>
@@ -168,8 +186,8 @@
         </p:nvSpPr>
         <p:spPr>
           <a:xfrm>
-            <a:off x="1371600" y="3886200"/>
-            <a:ext cx="6400800" cy="1752600"/>
+            <a:off x="1828800" y="3886200"/>
+            <a:ext cx="8534400" cy="1752600"/>
           </a:xfrm>
         </p:spPr>
         <p:txBody>
@@ -292,7 +310,7 @@
           <a:p>
             <a:fld id="{8C957C32-39DC-4D68-B52A-EC60EFFFC73E}" type="datetimeFigureOut">
               <a:rPr lang="zh-TW" altLang="en-US" smtClean="0"/>
-              <a:t>2017/10/14</a:t>
+              <a:t>2020/4/25</a:t>
             </a:fld>
             <a:endParaRPr lang="zh-TW" altLang="en-US"/>
           </a:p>
@@ -457,7 +475,7 @@
           <a:p>
             <a:fld id="{8C957C32-39DC-4D68-B52A-EC60EFFFC73E}" type="datetimeFigureOut">
               <a:rPr lang="zh-TW" altLang="en-US" smtClean="0"/>
-              <a:t>2017/10/14</a:t>
+              <a:t>2020/4/25</a:t>
             </a:fld>
             <a:endParaRPr lang="zh-TW" altLang="en-US"/>
           </a:p>
@@ -542,8 +560,8 @@
         </p:nvSpPr>
         <p:spPr>
           <a:xfrm>
-            <a:off x="6629400" y="274638"/>
-            <a:ext cx="2057400" cy="5851525"/>
+            <a:off x="8839200" y="274639"/>
+            <a:ext cx="2743200" cy="5851525"/>
           </a:xfrm>
         </p:spPr>
         <p:txBody>
@@ -570,8 +588,8 @@
         </p:nvSpPr>
         <p:spPr>
           <a:xfrm>
-            <a:off x="457200" y="274638"/>
-            <a:ext cx="6019800" cy="5851525"/>
+            <a:off x="609600" y="274639"/>
+            <a:ext cx="8026400" cy="5851525"/>
           </a:xfrm>
         </p:spPr>
         <p:txBody>
@@ -632,7 +650,7 @@
           <a:p>
             <a:fld id="{8C957C32-39DC-4D68-B52A-EC60EFFFC73E}" type="datetimeFigureOut">
               <a:rPr lang="zh-TW" altLang="en-US" smtClean="0"/>
-              <a:t>2017/10/14</a:t>
+              <a:t>2020/4/25</a:t>
             </a:fld>
             <a:endParaRPr lang="zh-TW" altLang="en-US"/>
           </a:p>
@@ -797,7 +815,7 @@
           <a:p>
             <a:fld id="{8C957C32-39DC-4D68-B52A-EC60EFFFC73E}" type="datetimeFigureOut">
               <a:rPr lang="zh-TW" altLang="en-US" smtClean="0"/>
-              <a:t>2017/10/14</a:t>
+              <a:t>2020/4/25</a:t>
             </a:fld>
             <a:endParaRPr lang="zh-TW" altLang="en-US"/>
           </a:p>
@@ -882,8 +900,8 @@
         </p:nvSpPr>
         <p:spPr>
           <a:xfrm>
-            <a:off x="722313" y="4406900"/>
-            <a:ext cx="7772400" cy="1362075"/>
+            <a:off x="963084" y="4406901"/>
+            <a:ext cx="10363200" cy="1362075"/>
           </a:xfrm>
         </p:spPr>
         <p:txBody>
@@ -914,8 +932,8 @@
         </p:nvSpPr>
         <p:spPr>
           <a:xfrm>
-            <a:off x="722313" y="2906713"/>
-            <a:ext cx="7772400" cy="1500187"/>
+            <a:off x="963084" y="2906713"/>
+            <a:ext cx="10363200" cy="1500187"/>
           </a:xfrm>
         </p:spPr>
         <p:txBody>
@@ -1038,7 +1056,7 @@
           <a:p>
             <a:fld id="{8C957C32-39DC-4D68-B52A-EC60EFFFC73E}" type="datetimeFigureOut">
               <a:rPr lang="zh-TW" altLang="en-US" smtClean="0"/>
-              <a:t>2017/10/14</a:t>
+              <a:t>2020/4/25</a:t>
             </a:fld>
             <a:endParaRPr lang="zh-TW" altLang="en-US"/>
           </a:p>
@@ -1146,8 +1164,8 @@
         </p:nvSpPr>
         <p:spPr>
           <a:xfrm>
-            <a:off x="457200" y="1600200"/>
-            <a:ext cx="4038600" cy="4525963"/>
+            <a:off x="609600" y="1600201"/>
+            <a:ext cx="5384800" cy="4525963"/>
           </a:xfrm>
         </p:spPr>
         <p:txBody>
@@ -1231,8 +1249,8 @@
         </p:nvSpPr>
         <p:spPr>
           <a:xfrm>
-            <a:off x="4648200" y="1600200"/>
-            <a:ext cx="4038600" cy="4525963"/>
+            <a:off x="6197600" y="1600201"/>
+            <a:ext cx="5384800" cy="4525963"/>
           </a:xfrm>
         </p:spPr>
         <p:txBody>
@@ -1321,7 +1339,7 @@
           <a:p>
             <a:fld id="{8C957C32-39DC-4D68-B52A-EC60EFFFC73E}" type="datetimeFigureOut">
               <a:rPr lang="zh-TW" altLang="en-US" smtClean="0"/>
-              <a:t>2017/10/14</a:t>
+              <a:t>2020/4/25</a:t>
             </a:fld>
             <a:endParaRPr lang="zh-TW" altLang="en-US"/>
           </a:p>
@@ -1433,8 +1451,8 @@
         </p:nvSpPr>
         <p:spPr>
           <a:xfrm>
-            <a:off x="457200" y="1535113"/>
-            <a:ext cx="4040188" cy="639762"/>
+            <a:off x="609600" y="1535113"/>
+            <a:ext cx="5386917" cy="639762"/>
           </a:xfrm>
         </p:spPr>
         <p:txBody>
@@ -1498,8 +1516,8 @@
         </p:nvSpPr>
         <p:spPr>
           <a:xfrm>
-            <a:off x="457200" y="2174875"/>
-            <a:ext cx="4040188" cy="3951288"/>
+            <a:off x="609600" y="2174875"/>
+            <a:ext cx="5386917" cy="3951288"/>
           </a:xfrm>
         </p:spPr>
         <p:txBody>
@@ -1583,8 +1601,8 @@
         </p:nvSpPr>
         <p:spPr>
           <a:xfrm>
-            <a:off x="4645025" y="1535113"/>
-            <a:ext cx="4041775" cy="639762"/>
+            <a:off x="6193368" y="1535113"/>
+            <a:ext cx="5389033" cy="639762"/>
           </a:xfrm>
         </p:spPr>
         <p:txBody>
@@ -1648,8 +1666,8 @@
         </p:nvSpPr>
         <p:spPr>
           <a:xfrm>
-            <a:off x="4645025" y="2174875"/>
-            <a:ext cx="4041775" cy="3951288"/>
+            <a:off x="6193368" y="2174875"/>
+            <a:ext cx="5389033" cy="3951288"/>
           </a:xfrm>
         </p:spPr>
         <p:txBody>
@@ -1738,7 +1756,7 @@
           <a:p>
             <a:fld id="{8C957C32-39DC-4D68-B52A-EC60EFFFC73E}" type="datetimeFigureOut">
               <a:rPr lang="zh-TW" altLang="en-US" smtClean="0"/>
-              <a:t>2017/10/14</a:t>
+              <a:t>2020/4/25</a:t>
             </a:fld>
             <a:endParaRPr lang="zh-TW" altLang="en-US"/>
           </a:p>
@@ -1851,7 +1869,7 @@
           <a:p>
             <a:fld id="{8C957C32-39DC-4D68-B52A-EC60EFFFC73E}" type="datetimeFigureOut">
               <a:rPr lang="zh-TW" altLang="en-US" smtClean="0"/>
-              <a:t>2017/10/14</a:t>
+              <a:t>2020/4/25</a:t>
             </a:fld>
             <a:endParaRPr lang="zh-TW" altLang="en-US"/>
           </a:p>
@@ -1941,7 +1959,7 @@
           <a:p>
             <a:fld id="{8C957C32-39DC-4D68-B52A-EC60EFFFC73E}" type="datetimeFigureOut">
               <a:rPr lang="zh-TW" altLang="en-US" smtClean="0"/>
-              <a:t>2017/10/14</a:t>
+              <a:t>2020/4/25</a:t>
             </a:fld>
             <a:endParaRPr lang="zh-TW" altLang="en-US"/>
           </a:p>
@@ -2026,8 +2044,8 @@
         </p:nvSpPr>
         <p:spPr>
           <a:xfrm>
-            <a:off x="457200" y="273050"/>
-            <a:ext cx="3008313" cy="1162050"/>
+            <a:off x="609601" y="273050"/>
+            <a:ext cx="4011084" cy="1162050"/>
           </a:xfrm>
         </p:spPr>
         <p:txBody>
@@ -2058,8 +2076,8 @@
         </p:nvSpPr>
         <p:spPr>
           <a:xfrm>
-            <a:off x="3575050" y="273050"/>
-            <a:ext cx="5111750" cy="5853113"/>
+            <a:off x="4766733" y="273051"/>
+            <a:ext cx="6815667" cy="5853113"/>
           </a:xfrm>
         </p:spPr>
         <p:txBody>
@@ -2143,8 +2161,8 @@
         </p:nvSpPr>
         <p:spPr>
           <a:xfrm>
-            <a:off x="457200" y="1435100"/>
-            <a:ext cx="3008313" cy="4691063"/>
+            <a:off x="609601" y="1435101"/>
+            <a:ext cx="4011084" cy="4691063"/>
           </a:xfrm>
         </p:spPr>
         <p:txBody>
@@ -2213,7 +2231,7 @@
           <a:p>
             <a:fld id="{8C957C32-39DC-4D68-B52A-EC60EFFFC73E}" type="datetimeFigureOut">
               <a:rPr lang="zh-TW" altLang="en-US" smtClean="0"/>
-              <a:t>2017/10/14</a:t>
+              <a:t>2020/4/25</a:t>
             </a:fld>
             <a:endParaRPr lang="zh-TW" altLang="en-US"/>
           </a:p>
@@ -2298,8 +2316,8 @@
         </p:nvSpPr>
         <p:spPr>
           <a:xfrm>
-            <a:off x="1792288" y="4800600"/>
-            <a:ext cx="5486400" cy="566738"/>
+            <a:off x="2389717" y="4800600"/>
+            <a:ext cx="7315200" cy="566738"/>
           </a:xfrm>
         </p:spPr>
         <p:txBody>
@@ -2330,8 +2348,8 @@
         </p:nvSpPr>
         <p:spPr>
           <a:xfrm>
-            <a:off x="1792288" y="612775"/>
-            <a:ext cx="5486400" cy="4114800"/>
+            <a:off x="2389717" y="612775"/>
+            <a:ext cx="7315200" cy="4114800"/>
           </a:xfrm>
         </p:spPr>
         <p:txBody>
@@ -2395,8 +2413,8 @@
         </p:nvSpPr>
         <p:spPr>
           <a:xfrm>
-            <a:off x="1792288" y="5367338"/>
-            <a:ext cx="5486400" cy="804862"/>
+            <a:off x="2389717" y="5367338"/>
+            <a:ext cx="7315200" cy="804862"/>
           </a:xfrm>
         </p:spPr>
         <p:txBody>
@@ -2465,7 +2483,7 @@
           <a:p>
             <a:fld id="{8C957C32-39DC-4D68-B52A-EC60EFFFC73E}" type="datetimeFigureOut">
               <a:rPr lang="zh-TW" altLang="en-US" smtClean="0"/>
-              <a:t>2017/10/14</a:t>
+              <a:t>2020/4/25</a:t>
             </a:fld>
             <a:endParaRPr lang="zh-TW" altLang="en-US"/>
           </a:p>
@@ -2560,8 +2578,8 @@
         </p:nvSpPr>
         <p:spPr>
           <a:xfrm>
-            <a:off x="457200" y="274638"/>
-            <a:ext cx="8229600" cy="1143000"/>
+            <a:off x="609600" y="274638"/>
+            <a:ext cx="10972800" cy="1143000"/>
           </a:xfrm>
           <a:prstGeom prst="rect">
             <a:avLst/>
@@ -2593,8 +2611,8 @@
         </p:nvSpPr>
         <p:spPr>
           <a:xfrm>
-            <a:off x="457200" y="1600200"/>
-            <a:ext cx="8229600" cy="4525963"/>
+            <a:off x="609600" y="1600201"/>
+            <a:ext cx="10972800" cy="4525963"/>
           </a:xfrm>
           <a:prstGeom prst="rect">
             <a:avLst/>
@@ -2655,8 +2673,8 @@
         </p:nvSpPr>
         <p:spPr>
           <a:xfrm>
-            <a:off x="457200" y="6356350"/>
-            <a:ext cx="2133600" cy="365125"/>
+            <a:off x="609600" y="6356351"/>
+            <a:ext cx="2844800" cy="365125"/>
           </a:xfrm>
           <a:prstGeom prst="rect">
             <a:avLst/>
@@ -2678,7 +2696,7 @@
           <a:p>
             <a:fld id="{8C957C32-39DC-4D68-B52A-EC60EFFFC73E}" type="datetimeFigureOut">
               <a:rPr lang="zh-TW" altLang="en-US" smtClean="0"/>
-              <a:t>2017/10/14</a:t>
+              <a:t>2020/4/25</a:t>
             </a:fld>
             <a:endParaRPr lang="zh-TW" altLang="en-US"/>
           </a:p>
@@ -2696,8 +2714,8 @@
         </p:nvSpPr>
         <p:spPr>
           <a:xfrm>
-            <a:off x="3124200" y="6356350"/>
-            <a:ext cx="2895600" cy="365125"/>
+            <a:off x="4165600" y="6356351"/>
+            <a:ext cx="3860800" cy="365125"/>
           </a:xfrm>
           <a:prstGeom prst="rect">
             <a:avLst/>
@@ -2733,8 +2751,8 @@
         </p:nvSpPr>
         <p:spPr>
           <a:xfrm>
-            <a:off x="6553200" y="6356350"/>
-            <a:ext cx="2133600" cy="365125"/>
+            <a:off x="8737600" y="6356351"/>
+            <a:ext cx="2844800" cy="365125"/>
           </a:xfrm>
           <a:prstGeom prst="rect">
             <a:avLst/>
@@ -3107,7 +3125,7 @@
         </p:nvSpPr>
         <p:spPr>
           <a:xfrm>
-            <a:off x="0" y="1600200"/>
+            <a:off x="1524000" y="1600201"/>
             <a:ext cx="9144000" cy="4525963"/>
           </a:xfrm>
         </p:spPr>
@@ -3131,7 +3149,7 @@
               <a:t>喔主感謝祢 創造這</a:t>
             </a:r>
             <a:r>
-              <a:rPr lang="zh-TW" altLang="en-US" sz="5400" b="1" dirty="0" smtClean="0">
+              <a:rPr lang="zh-TW" altLang="en-US" sz="5400" b="1" dirty="0">
                 <a:solidFill>
                   <a:srgbClr val="660033"/>
                 </a:solidFill>
@@ -3140,7 +3158,7 @@
               </a:rPr>
               <a:t>土地</a:t>
             </a:r>
-            <a:endParaRPr lang="en-US" altLang="zh-TW" sz="5400" b="1" dirty="0" smtClean="0">
+            <a:endParaRPr lang="en-US" altLang="zh-TW" sz="5400" b="1" dirty="0">
               <a:solidFill>
                 <a:srgbClr val="660033"/>
               </a:solidFill>
@@ -3153,7 +3171,7 @@
               <a:buNone/>
             </a:pPr>
             <a:r>
-              <a:rPr lang="zh-TW" altLang="en-US" sz="5400" b="1" dirty="0" smtClean="0">
+              <a:rPr lang="zh-TW" altLang="en-US" sz="5400" b="1" dirty="0">
                 <a:solidFill>
                   <a:srgbClr val="660033"/>
                 </a:solidFill>
@@ -3173,7 +3191,7 @@
               <a:t>永恆話語 賜下無限</a:t>
             </a:r>
             <a:r>
-              <a:rPr lang="zh-TW" altLang="en-US" sz="5400" b="1" dirty="0" smtClean="0">
+              <a:rPr lang="zh-TW" altLang="en-US" sz="5400" b="1" dirty="0">
                 <a:solidFill>
                   <a:srgbClr val="660033"/>
                 </a:solidFill>
@@ -3182,7 +3200,7 @@
               </a:rPr>
               <a:t>生命</a:t>
             </a:r>
-            <a:endParaRPr lang="en-US" altLang="zh-TW" sz="5400" b="1" dirty="0" smtClean="0">
+            <a:endParaRPr lang="en-US" altLang="zh-TW" sz="5400" b="1" dirty="0">
               <a:solidFill>
                 <a:srgbClr val="660033"/>
               </a:solidFill>
@@ -3195,7 +3213,7 @@
               <a:buNone/>
             </a:pPr>
             <a:r>
-              <a:rPr lang="zh-TW" altLang="en-US" sz="5400" b="1" dirty="0" smtClean="0">
+              <a:rPr lang="zh-TW" altLang="en-US" sz="5400" b="1" dirty="0">
                 <a:solidFill>
                   <a:srgbClr val="660033"/>
                 </a:solidFill>
@@ -3215,7 +3233,7 @@
               <a:t>恩典的馨香</a:t>
             </a:r>
             <a:r>
-              <a:rPr lang="zh-TW" altLang="en-US" sz="5400" b="1" dirty="0" smtClean="0">
+              <a:rPr lang="zh-TW" altLang="en-US" sz="5400" b="1" dirty="0">
                 <a:solidFill>
                   <a:srgbClr val="660033"/>
                 </a:solidFill>
@@ -3235,7 +3253,7 @@
               <a:t>這</a:t>
             </a:r>
             <a:r>
-              <a:rPr lang="zh-TW" altLang="en-US" sz="5400" b="1" dirty="0" smtClean="0">
+              <a:rPr lang="zh-TW" altLang="en-US" sz="5400" b="1" dirty="0">
                 <a:solidFill>
                   <a:srgbClr val="660033"/>
                 </a:solidFill>
@@ -3244,7 +3262,7 @@
               </a:rPr>
               <a:t>地</a:t>
             </a:r>
-            <a:endParaRPr lang="en-US" altLang="zh-TW" sz="5400" b="1" dirty="0" smtClean="0">
+            <a:endParaRPr lang="en-US" altLang="zh-TW" sz="5400" b="1" dirty="0">
               <a:solidFill>
                 <a:srgbClr val="660033"/>
               </a:solidFill>
@@ -3257,7 +3275,7 @@
               <a:buNone/>
             </a:pPr>
             <a:r>
-              <a:rPr lang="zh-TW" altLang="en-US" sz="5400" b="1" dirty="0" smtClean="0">
+              <a:rPr lang="zh-TW" altLang="en-US" sz="5400" b="1" dirty="0">
                 <a:solidFill>
                   <a:srgbClr val="660033"/>
                 </a:solidFill>
@@ -3363,7 +3381,7 @@
         </p:nvSpPr>
         <p:spPr>
           <a:xfrm>
-            <a:off x="0" y="1600200"/>
+            <a:off x="1524000" y="1600200"/>
             <a:ext cx="9144000" cy="5257800"/>
           </a:xfrm>
         </p:spPr>
@@ -3387,7 +3405,7 @@
               <a:t>喔主感謝祢 創造這</a:t>
             </a:r>
             <a:r>
-              <a:rPr lang="zh-TW" altLang="en-US" sz="5400" b="1" dirty="0" smtClean="0">
+              <a:rPr lang="zh-TW" altLang="en-US" sz="5400" b="1" dirty="0">
                 <a:solidFill>
                   <a:srgbClr val="660033"/>
                 </a:solidFill>
@@ -3396,7 +3414,7 @@
               </a:rPr>
               <a:t>土地</a:t>
             </a:r>
-            <a:endParaRPr lang="en-US" altLang="zh-TW" sz="5400" b="1" dirty="0" smtClean="0">
+            <a:endParaRPr lang="en-US" altLang="zh-TW" sz="5400" b="1" dirty="0">
               <a:solidFill>
                 <a:srgbClr val="660033"/>
               </a:solidFill>
@@ -3409,7 +3427,7 @@
               <a:buNone/>
             </a:pPr>
             <a:r>
-              <a:rPr lang="zh-TW" altLang="en-US" sz="5400" b="1" dirty="0" smtClean="0">
+              <a:rPr lang="zh-TW" altLang="en-US" sz="5400" b="1" dirty="0">
                 <a:solidFill>
                   <a:srgbClr val="660033"/>
                 </a:solidFill>
@@ -3429,7 +3447,7 @@
               <a:t>慈愛澆灌 以喜樂</a:t>
             </a:r>
             <a:r>
-              <a:rPr lang="zh-TW" altLang="en-US" sz="5400" b="1" dirty="0" smtClean="0">
+              <a:rPr lang="zh-TW" altLang="en-US" sz="5400" b="1" dirty="0">
                 <a:solidFill>
                   <a:srgbClr val="660033"/>
                 </a:solidFill>
@@ -3438,7 +3456,7 @@
               </a:rPr>
               <a:t>耕耘</a:t>
             </a:r>
-            <a:endParaRPr lang="en-US" altLang="zh-TW" sz="5400" b="1" dirty="0" smtClean="0">
+            <a:endParaRPr lang="en-US" altLang="zh-TW" sz="5400" b="1" dirty="0">
               <a:solidFill>
                 <a:srgbClr val="660033"/>
               </a:solidFill>
@@ -3451,7 +3469,7 @@
               <a:buNone/>
             </a:pPr>
             <a:r>
-              <a:rPr lang="zh-TW" altLang="en-US" sz="5400" b="1" dirty="0" smtClean="0">
+              <a:rPr lang="zh-TW" altLang="en-US" sz="5400" b="1" dirty="0">
                 <a:solidFill>
                   <a:srgbClr val="660033"/>
                 </a:solidFill>
@@ -3471,7 +3489,7 @@
               <a:t>無數的白晝</a:t>
             </a:r>
             <a:r>
-              <a:rPr lang="zh-TW" altLang="en-US" sz="5400" b="1" dirty="0" smtClean="0">
+              <a:rPr lang="zh-TW" altLang="en-US" sz="5400" b="1" dirty="0">
                 <a:solidFill>
                   <a:srgbClr val="660033"/>
                 </a:solidFill>
@@ -3491,7 +3509,7 @@
               <a:t>這</a:t>
             </a:r>
             <a:r>
-              <a:rPr lang="zh-TW" altLang="en-US" sz="5400" b="1" dirty="0" smtClean="0">
+              <a:rPr lang="zh-TW" altLang="en-US" sz="5400" b="1" dirty="0">
                 <a:solidFill>
                   <a:srgbClr val="660033"/>
                 </a:solidFill>
@@ -3500,7 +3518,7 @@
               </a:rPr>
               <a:t>地</a:t>
             </a:r>
-            <a:endParaRPr lang="en-US" altLang="zh-TW" sz="5400" b="1" dirty="0" smtClean="0">
+            <a:endParaRPr lang="en-US" altLang="zh-TW" sz="5400" b="1" dirty="0">
               <a:solidFill>
                 <a:srgbClr val="660033"/>
               </a:solidFill>
@@ -3513,7 +3531,7 @@
               <a:buNone/>
             </a:pPr>
             <a:r>
-              <a:rPr lang="zh-TW" altLang="en-US" sz="5400" b="1" dirty="0" smtClean="0">
+              <a:rPr lang="zh-TW" altLang="en-US" sz="5400" b="1" dirty="0">
                 <a:solidFill>
                   <a:srgbClr val="660033"/>
                 </a:solidFill>
@@ -3533,7 +3551,7 @@
               <a:t>的人情 感恩的</a:t>
             </a:r>
             <a:r>
-              <a:rPr lang="zh-TW" altLang="en-US" sz="5400" b="1" dirty="0" smtClean="0">
+              <a:rPr lang="zh-TW" altLang="en-US" sz="5400" b="1" dirty="0">
                 <a:solidFill>
                   <a:srgbClr val="660033"/>
                 </a:solidFill>
@@ -3542,7 +3560,7 @@
               </a:rPr>
               <a:t>心情</a:t>
             </a:r>
-            <a:endParaRPr lang="en-US" altLang="zh-TW" sz="5400" b="1" dirty="0" smtClean="0">
+            <a:endParaRPr lang="en-US" altLang="zh-TW" sz="5400" b="1" dirty="0">
               <a:solidFill>
                 <a:srgbClr val="660033"/>
               </a:solidFill>
@@ -3555,7 +3573,7 @@
               <a:buNone/>
             </a:pPr>
             <a:r>
-              <a:rPr lang="zh-TW" altLang="en-US" sz="5400" b="1" dirty="0" smtClean="0">
+              <a:rPr lang="zh-TW" altLang="en-US" sz="5400" b="1" dirty="0">
                 <a:solidFill>
                   <a:srgbClr val="660033"/>
                 </a:solidFill>
@@ -3661,7 +3679,7 @@
         </p:nvSpPr>
         <p:spPr>
           <a:xfrm>
-            <a:off x="0" y="1600200"/>
+            <a:off x="1524000" y="1600200"/>
             <a:ext cx="9144000" cy="5257800"/>
           </a:xfrm>
         </p:spPr>
@@ -3685,7 +3703,7 @@
               <a:t>主求祢充滿我們 來醫治這</a:t>
             </a:r>
             <a:r>
-              <a:rPr lang="zh-TW" altLang="en-US" sz="5400" b="1" dirty="0" smtClean="0">
+              <a:rPr lang="zh-TW" altLang="en-US" sz="5400" b="1" dirty="0">
                 <a:solidFill>
                   <a:srgbClr val="660033"/>
                 </a:solidFill>
@@ -3694,7 +3712,7 @@
               </a:rPr>
               <a:t>地</a:t>
             </a:r>
-            <a:endParaRPr lang="en-US" altLang="zh-TW" sz="5400" b="1" dirty="0" smtClean="0">
+            <a:endParaRPr lang="en-US" altLang="zh-TW" sz="5400" b="1" dirty="0">
               <a:solidFill>
                 <a:srgbClr val="660033"/>
               </a:solidFill>
@@ -3707,7 +3725,7 @@
               <a:buNone/>
             </a:pPr>
             <a:r>
-              <a:rPr lang="zh-TW" altLang="en-US" sz="5400" b="1" dirty="0" smtClean="0">
+              <a:rPr lang="zh-TW" altLang="en-US" sz="5400" b="1" dirty="0">
                 <a:solidFill>
                   <a:srgbClr val="660033"/>
                 </a:solidFill>
@@ -3727,7 +3745,7 @@
               <a:t>疾病要過去 神蹟在</a:t>
             </a:r>
             <a:r>
-              <a:rPr lang="zh-TW" altLang="en-US" sz="5400" b="1" dirty="0" smtClean="0">
+              <a:rPr lang="zh-TW" altLang="en-US" sz="5400" b="1" dirty="0">
                 <a:solidFill>
                   <a:srgbClr val="660033"/>
                 </a:solidFill>
@@ -3736,7 +3754,7 @@
               </a:rPr>
               <a:t>運行</a:t>
             </a:r>
-            <a:endParaRPr lang="en-US" altLang="zh-TW" sz="5400" b="1" dirty="0" smtClean="0">
+            <a:endParaRPr lang="en-US" altLang="zh-TW" sz="5400" b="1" dirty="0">
               <a:solidFill>
                 <a:srgbClr val="660033"/>
               </a:solidFill>
@@ -3749,7 +3767,7 @@
               <a:buNone/>
             </a:pPr>
             <a:r>
-              <a:rPr lang="zh-TW" altLang="en-US" sz="5400" b="1" dirty="0" smtClean="0">
+              <a:rPr lang="zh-TW" altLang="en-US" sz="5400" b="1" dirty="0">
                 <a:solidFill>
                   <a:srgbClr val="660033"/>
                 </a:solidFill>
@@ -3769,7 +3787,7 @@
               <a:t>求祢充滿我們 來轉化這</a:t>
             </a:r>
             <a:r>
-              <a:rPr lang="zh-TW" altLang="en-US" sz="5400" b="1" dirty="0" smtClean="0">
+              <a:rPr lang="zh-TW" altLang="en-US" sz="5400" b="1" dirty="0">
                 <a:solidFill>
                   <a:srgbClr val="660033"/>
                 </a:solidFill>
@@ -3778,7 +3796,7 @@
               </a:rPr>
               <a:t>地</a:t>
             </a:r>
-            <a:endParaRPr lang="en-US" altLang="zh-TW" sz="5400" b="1" dirty="0" smtClean="0">
+            <a:endParaRPr lang="en-US" altLang="zh-TW" sz="5400" b="1" dirty="0">
               <a:solidFill>
                 <a:srgbClr val="660033"/>
               </a:solidFill>
@@ -3791,7 +3809,7 @@
               <a:buNone/>
             </a:pPr>
             <a:r>
-              <a:rPr lang="zh-TW" altLang="en-US" sz="5400" b="1" dirty="0" smtClean="0">
+              <a:rPr lang="zh-TW" altLang="en-US" sz="5400" b="1" dirty="0">
                 <a:solidFill>
                   <a:srgbClr val="660033"/>
                 </a:solidFill>
@@ -3897,7 +3915,7 @@
         </p:nvSpPr>
         <p:spPr>
           <a:xfrm>
-            <a:off x="0" y="1600200"/>
+            <a:off x="1524000" y="1600200"/>
             <a:ext cx="9144000" cy="5257800"/>
           </a:xfrm>
         </p:spPr>
@@ -3921,7 +3939,7 @@
               <a:t>主求祢充滿我們 來醫治這</a:t>
             </a:r>
             <a:r>
-              <a:rPr lang="zh-TW" altLang="en-US" sz="5400" b="1" dirty="0" smtClean="0">
+              <a:rPr lang="zh-TW" altLang="en-US" sz="5400" b="1" dirty="0">
                 <a:solidFill>
                   <a:srgbClr val="660033"/>
                 </a:solidFill>
@@ -3930,7 +3948,7 @@
               </a:rPr>
               <a:t>地</a:t>
             </a:r>
-            <a:endParaRPr lang="en-US" altLang="zh-TW" sz="5400" b="1" dirty="0" smtClean="0">
+            <a:endParaRPr lang="en-US" altLang="zh-TW" sz="5400" b="1" dirty="0">
               <a:solidFill>
                 <a:srgbClr val="660033"/>
               </a:solidFill>
@@ -3943,7 +3961,7 @@
               <a:buNone/>
             </a:pPr>
             <a:r>
-              <a:rPr lang="zh-TW" altLang="en-US" sz="5400" b="1" dirty="0" smtClean="0">
+              <a:rPr lang="zh-TW" altLang="en-US" sz="5400" b="1" dirty="0">
                 <a:solidFill>
                   <a:srgbClr val="660033"/>
                 </a:solidFill>
@@ -3963,7 +3981,7 @@
               <a:t>地看見祢榮耀 祢復興</a:t>
             </a:r>
             <a:r>
-              <a:rPr lang="zh-TW" altLang="en-US" sz="5400" b="1" dirty="0" smtClean="0">
+              <a:rPr lang="zh-TW" altLang="en-US" sz="5400" b="1" dirty="0">
                 <a:solidFill>
                   <a:srgbClr val="660033"/>
                 </a:solidFill>
@@ -3972,7 +3990,7 @@
               </a:rPr>
               <a:t>降臨</a:t>
             </a:r>
-            <a:endParaRPr lang="en-US" altLang="zh-TW" sz="5400" b="1" dirty="0" smtClean="0">
+            <a:endParaRPr lang="en-US" altLang="zh-TW" sz="5400" b="1" dirty="0">
               <a:solidFill>
                 <a:srgbClr val="660033"/>
               </a:solidFill>
@@ -3985,7 +4003,7 @@
               <a:buNone/>
             </a:pPr>
             <a:r>
-              <a:rPr lang="zh-TW" altLang="en-US" sz="5400" b="1" dirty="0" smtClean="0">
+              <a:rPr lang="zh-TW" altLang="en-US" sz="5400" b="1" dirty="0">
                 <a:solidFill>
                   <a:srgbClr val="660033"/>
                 </a:solidFill>
@@ -4005,7 +4023,7 @@
               <a:t>求祢充滿我們 來轉化這</a:t>
             </a:r>
             <a:r>
-              <a:rPr lang="zh-TW" altLang="en-US" sz="5400" b="1" dirty="0" smtClean="0">
+              <a:rPr lang="zh-TW" altLang="en-US" sz="5400" b="1" dirty="0">
                 <a:solidFill>
                   <a:srgbClr val="660033"/>
                 </a:solidFill>
@@ -4014,7 +4032,7 @@
               </a:rPr>
               <a:t>地</a:t>
             </a:r>
-            <a:endParaRPr lang="en-US" altLang="zh-TW" sz="5400" b="1" dirty="0" smtClean="0">
+            <a:endParaRPr lang="en-US" altLang="zh-TW" sz="5400" b="1" dirty="0">
               <a:solidFill>
                 <a:srgbClr val="660033"/>
               </a:solidFill>
@@ -4027,7 +4045,7 @@
               <a:buNone/>
             </a:pPr>
             <a:r>
-              <a:rPr lang="zh-TW" altLang="en-US" sz="5400" b="1" dirty="0" smtClean="0">
+              <a:rPr lang="zh-TW" altLang="en-US" sz="5400" b="1" dirty="0">
                 <a:solidFill>
                   <a:srgbClr val="660033"/>
                 </a:solidFill>
@@ -4133,7 +4151,7 @@
         </p:nvSpPr>
         <p:spPr>
           <a:xfrm>
-            <a:off x="0" y="1600200"/>
+            <a:off x="1524000" y="1600200"/>
             <a:ext cx="9144000" cy="5257800"/>
           </a:xfrm>
         </p:spPr>
@@ -4157,7 +4175,7 @@
               <a:t>一生祝福 永不</a:t>
             </a:r>
             <a:r>
-              <a:rPr lang="zh-TW" altLang="en-US" sz="5400" b="1" dirty="0" smtClean="0">
+              <a:rPr lang="zh-TW" altLang="en-US" sz="5400" b="1" dirty="0">
                 <a:solidFill>
                   <a:srgbClr val="660033"/>
                 </a:solidFill>
@@ -4166,7 +4184,7 @@
               </a:rPr>
               <a:t>停息</a:t>
             </a:r>
-            <a:endParaRPr lang="en-US" altLang="zh-TW" sz="5400" b="1" dirty="0" smtClean="0">
+            <a:endParaRPr lang="en-US" altLang="zh-TW" sz="5400" b="1" dirty="0">
               <a:solidFill>
                 <a:srgbClr val="660033"/>
               </a:solidFill>
@@ -4179,7 +4197,7 @@
               <a:buNone/>
             </a:pPr>
             <a:r>
-              <a:rPr lang="zh-TW" altLang="en-US" sz="5400" b="1" dirty="0" smtClean="0">
+              <a:rPr lang="zh-TW" altLang="en-US" sz="5400" b="1" dirty="0">
                 <a:solidFill>
                   <a:srgbClr val="660033"/>
                 </a:solidFill>
@@ -4202,6 +4220,488 @@
         </p:txBody>
       </p:sp>
     </p:spTree>
+  </p:cSld>
+  <p:clrMapOvr>
+    <a:masterClrMapping/>
+  </p:clrMapOvr>
+</p:sld>
+</file>
+
+<file path=ppt/slides/slide6.xml><?xml version="1.0" encoding="utf-8"?>
+<p:sld xmlns:a="http://schemas.openxmlformats.org/drawingml/2006/main" xmlns:r="http://schemas.openxmlformats.org/officeDocument/2006/relationships" xmlns:p="http://schemas.openxmlformats.org/presentationml/2006/main">
+  <p:cSld>
+    <p:spTree>
+      <p:nvGrpSpPr>
+        <p:cNvPr id="1" name=""/>
+        <p:cNvGrpSpPr/>
+        <p:nvPr/>
+      </p:nvGrpSpPr>
+      <p:grpSpPr>
+        <a:xfrm>
+          <a:off x="0" y="0"/>
+          <a:ext cx="0" cy="0"/>
+          <a:chOff x="0" y="0"/>
+          <a:chExt cx="0" cy="0"/>
+        </a:xfrm>
+      </p:grpSpPr>
+      <p:sp>
+        <p:nvSpPr>
+          <p:cNvPr id="4" name="標題 3"/>
+          <p:cNvSpPr>
+            <a:spLocks noGrp="1"/>
+          </p:cNvSpPr>
+          <p:nvPr>
+            <p:ph type="title"/>
+          </p:nvPr>
+        </p:nvSpPr>
+        <p:spPr/>
+        <p:txBody>
+          <a:bodyPr>
+            <a:normAutofit/>
+          </a:bodyPr>
+          <a:lstStyle/>
+          <a:p>
+            <a:r>
+              <a:rPr lang="zh-TW" altLang="en-US" b="1" dirty="0">
+                <a:solidFill>
+                  <a:srgbClr val="660033"/>
+                </a:solidFill>
+                <a:latin typeface="微軟正黑體" pitchFamily="34" charset="-120"/>
+                <a:ea typeface="微軟正黑體" pitchFamily="34" charset="-120"/>
+              </a:rPr>
+              <a:t>求充滿這</a:t>
+            </a:r>
+            <a:r>
+              <a:rPr lang="zh-TW" altLang="en-US" b="1" dirty="0" smtClean="0">
+                <a:solidFill>
+                  <a:srgbClr val="660033"/>
+                </a:solidFill>
+                <a:latin typeface="微軟正黑體" pitchFamily="34" charset="-120"/>
+                <a:ea typeface="微軟正黑體" pitchFamily="34" charset="-120"/>
+              </a:rPr>
+              <a:t>地</a:t>
+            </a:r>
+            <a:endParaRPr lang="zh-TW" altLang="en-US" b="1" dirty="0">
+              <a:solidFill>
+                <a:srgbClr val="660033"/>
+              </a:solidFill>
+              <a:latin typeface="微軟正黑體" pitchFamily="34" charset="-120"/>
+              <a:ea typeface="微軟正黑體" pitchFamily="34" charset="-120"/>
+            </a:endParaRPr>
+          </a:p>
+        </p:txBody>
+      </p:sp>
+      <p:sp>
+        <p:nvSpPr>
+          <p:cNvPr id="5" name="內容版面配置區 4"/>
+          <p:cNvSpPr>
+            <a:spLocks noGrp="1"/>
+          </p:cNvSpPr>
+          <p:nvPr>
+            <p:ph idx="1"/>
+          </p:nvPr>
+        </p:nvSpPr>
+        <p:spPr>
+          <a:xfrm>
+            <a:off x="1524000" y="1600200"/>
+            <a:ext cx="9144000" cy="5257800"/>
+          </a:xfrm>
+        </p:spPr>
+        <p:txBody>
+          <a:bodyPr>
+            <a:noAutofit/>
+          </a:bodyPr>
+          <a:lstStyle/>
+          <a:p>
+            <a:pPr algn="ctr">
+              <a:buNone/>
+            </a:pPr>
+            <a:r>
+              <a:rPr lang="zh-TW" altLang="en-US" sz="5400" b="1" dirty="0">
+                <a:solidFill>
+                  <a:srgbClr val="660033"/>
+                </a:solidFill>
+                <a:latin typeface="微軟正黑體" pitchFamily="34" charset="-120"/>
+                <a:ea typeface="微軟正黑體" pitchFamily="34" charset="-120"/>
+              </a:rPr>
+              <a:t>主求祢充滿我們 來醫治這</a:t>
+            </a:r>
+            <a:r>
+              <a:rPr lang="zh-TW" altLang="en-US" sz="5400" b="1" dirty="0">
+                <a:solidFill>
+                  <a:srgbClr val="660033"/>
+                </a:solidFill>
+                <a:latin typeface="微軟正黑體" pitchFamily="34" charset="-120"/>
+                <a:ea typeface="微軟正黑體" pitchFamily="34" charset="-120"/>
+              </a:rPr>
+              <a:t>地</a:t>
+            </a:r>
+            <a:endParaRPr lang="en-US" altLang="zh-TW" sz="5400" b="1" dirty="0">
+              <a:solidFill>
+                <a:srgbClr val="660033"/>
+              </a:solidFill>
+              <a:latin typeface="微軟正黑體" pitchFamily="34" charset="-120"/>
+              <a:ea typeface="微軟正黑體" pitchFamily="34" charset="-120"/>
+            </a:endParaRPr>
+          </a:p>
+          <a:p>
+            <a:pPr algn="ctr">
+              <a:buNone/>
+            </a:pPr>
+            <a:r>
+              <a:rPr lang="zh-TW" altLang="en-US" sz="5400" b="1" dirty="0">
+                <a:solidFill>
+                  <a:srgbClr val="660033"/>
+                </a:solidFill>
+                <a:latin typeface="微軟正黑體" pitchFamily="34" charset="-120"/>
+                <a:ea typeface="微軟正黑體" pitchFamily="34" charset="-120"/>
+              </a:rPr>
+              <a:t>痛苦</a:t>
+            </a:r>
+            <a:r>
+              <a:rPr lang="zh-TW" altLang="en-US" sz="5400" b="1" dirty="0">
+                <a:solidFill>
+                  <a:srgbClr val="660033"/>
+                </a:solidFill>
+                <a:latin typeface="微軟正黑體" pitchFamily="34" charset="-120"/>
+                <a:ea typeface="微軟正黑體" pitchFamily="34" charset="-120"/>
+              </a:rPr>
+              <a:t>疾病要過去 神蹟在</a:t>
+            </a:r>
+            <a:r>
+              <a:rPr lang="zh-TW" altLang="en-US" sz="5400" b="1" dirty="0">
+                <a:solidFill>
+                  <a:srgbClr val="660033"/>
+                </a:solidFill>
+                <a:latin typeface="微軟正黑體" pitchFamily="34" charset="-120"/>
+                <a:ea typeface="微軟正黑體" pitchFamily="34" charset="-120"/>
+              </a:rPr>
+              <a:t>運行</a:t>
+            </a:r>
+            <a:endParaRPr lang="en-US" altLang="zh-TW" sz="5400" b="1" dirty="0">
+              <a:solidFill>
+                <a:srgbClr val="660033"/>
+              </a:solidFill>
+              <a:latin typeface="微軟正黑體" pitchFamily="34" charset="-120"/>
+              <a:ea typeface="微軟正黑體" pitchFamily="34" charset="-120"/>
+            </a:endParaRPr>
+          </a:p>
+          <a:p>
+            <a:pPr algn="ctr">
+              <a:buNone/>
+            </a:pPr>
+            <a:r>
+              <a:rPr lang="zh-TW" altLang="en-US" sz="5400" b="1" dirty="0">
+                <a:solidFill>
+                  <a:srgbClr val="660033"/>
+                </a:solidFill>
+                <a:latin typeface="微軟正黑體" pitchFamily="34" charset="-120"/>
+                <a:ea typeface="微軟正黑體" pitchFamily="34" charset="-120"/>
+              </a:rPr>
+              <a:t>主</a:t>
+            </a:r>
+            <a:r>
+              <a:rPr lang="zh-TW" altLang="en-US" sz="5400" b="1" dirty="0">
+                <a:solidFill>
+                  <a:srgbClr val="660033"/>
+                </a:solidFill>
+                <a:latin typeface="微軟正黑體" pitchFamily="34" charset="-120"/>
+                <a:ea typeface="微軟正黑體" pitchFamily="34" charset="-120"/>
+              </a:rPr>
+              <a:t>求祢充滿我們 來轉化這</a:t>
+            </a:r>
+            <a:r>
+              <a:rPr lang="zh-TW" altLang="en-US" sz="5400" b="1" dirty="0">
+                <a:solidFill>
+                  <a:srgbClr val="660033"/>
+                </a:solidFill>
+                <a:latin typeface="微軟正黑體" pitchFamily="34" charset="-120"/>
+                <a:ea typeface="微軟正黑體" pitchFamily="34" charset="-120"/>
+              </a:rPr>
+              <a:t>地</a:t>
+            </a:r>
+            <a:endParaRPr lang="en-US" altLang="zh-TW" sz="5400" b="1" dirty="0">
+              <a:solidFill>
+                <a:srgbClr val="660033"/>
+              </a:solidFill>
+              <a:latin typeface="微軟正黑體" pitchFamily="34" charset="-120"/>
+              <a:ea typeface="微軟正黑體" pitchFamily="34" charset="-120"/>
+            </a:endParaRPr>
+          </a:p>
+          <a:p>
+            <a:pPr algn="ctr">
+              <a:buNone/>
+            </a:pPr>
+            <a:r>
+              <a:rPr lang="zh-TW" altLang="en-US" sz="5400" b="1" dirty="0">
+                <a:solidFill>
+                  <a:srgbClr val="660033"/>
+                </a:solidFill>
+                <a:latin typeface="微軟正黑體" pitchFamily="34" charset="-120"/>
+                <a:ea typeface="微軟正黑體" pitchFamily="34" charset="-120"/>
+              </a:rPr>
+              <a:t>黑暗</a:t>
+            </a:r>
+            <a:r>
+              <a:rPr lang="zh-TW" altLang="en-US" sz="5400" b="1" dirty="0">
+                <a:solidFill>
+                  <a:srgbClr val="660033"/>
+                </a:solidFill>
+                <a:latin typeface="微軟正黑體" pitchFamily="34" charset="-120"/>
+                <a:ea typeface="微軟正黑體" pitchFamily="34" charset="-120"/>
+              </a:rPr>
+              <a:t>權勢要離去</a:t>
+            </a:r>
+          </a:p>
+        </p:txBody>
+      </p:sp>
+    </p:spTree>
+    <p:extLst>
+      <p:ext uri="{BB962C8B-B14F-4D97-AF65-F5344CB8AC3E}">
+        <p14:creationId xmlns:p14="http://schemas.microsoft.com/office/powerpoint/2010/main" val="1564741059"/>
+      </p:ext>
+    </p:extLst>
+  </p:cSld>
+  <p:clrMapOvr>
+    <a:masterClrMapping/>
+  </p:clrMapOvr>
+</p:sld>
+</file>
+
+<file path=ppt/slides/slide7.xml><?xml version="1.0" encoding="utf-8"?>
+<p:sld xmlns:a="http://schemas.openxmlformats.org/drawingml/2006/main" xmlns:r="http://schemas.openxmlformats.org/officeDocument/2006/relationships" xmlns:p="http://schemas.openxmlformats.org/presentationml/2006/main">
+  <p:cSld>
+    <p:spTree>
+      <p:nvGrpSpPr>
+        <p:cNvPr id="1" name=""/>
+        <p:cNvGrpSpPr/>
+        <p:nvPr/>
+      </p:nvGrpSpPr>
+      <p:grpSpPr>
+        <a:xfrm>
+          <a:off x="0" y="0"/>
+          <a:ext cx="0" cy="0"/>
+          <a:chOff x="0" y="0"/>
+          <a:chExt cx="0" cy="0"/>
+        </a:xfrm>
+      </p:grpSpPr>
+      <p:sp>
+        <p:nvSpPr>
+          <p:cNvPr id="4" name="標題 3"/>
+          <p:cNvSpPr>
+            <a:spLocks noGrp="1"/>
+          </p:cNvSpPr>
+          <p:nvPr>
+            <p:ph type="title"/>
+          </p:nvPr>
+        </p:nvSpPr>
+        <p:spPr/>
+        <p:txBody>
+          <a:bodyPr>
+            <a:normAutofit/>
+          </a:bodyPr>
+          <a:lstStyle/>
+          <a:p>
+            <a:r>
+              <a:rPr lang="zh-TW" altLang="en-US" b="1" dirty="0">
+                <a:solidFill>
+                  <a:srgbClr val="660033"/>
+                </a:solidFill>
+                <a:latin typeface="微軟正黑體" pitchFamily="34" charset="-120"/>
+                <a:ea typeface="微軟正黑體" pitchFamily="34" charset="-120"/>
+              </a:rPr>
+              <a:t>求充滿這</a:t>
+            </a:r>
+            <a:r>
+              <a:rPr lang="zh-TW" altLang="en-US" b="1" dirty="0" smtClean="0">
+                <a:solidFill>
+                  <a:srgbClr val="660033"/>
+                </a:solidFill>
+                <a:latin typeface="微軟正黑體" pitchFamily="34" charset="-120"/>
+                <a:ea typeface="微軟正黑體" pitchFamily="34" charset="-120"/>
+              </a:rPr>
+              <a:t>地</a:t>
+            </a:r>
+            <a:endParaRPr lang="zh-TW" altLang="en-US" b="1" dirty="0">
+              <a:solidFill>
+                <a:srgbClr val="660033"/>
+              </a:solidFill>
+              <a:latin typeface="微軟正黑體" pitchFamily="34" charset="-120"/>
+              <a:ea typeface="微軟正黑體" pitchFamily="34" charset="-120"/>
+            </a:endParaRPr>
+          </a:p>
+        </p:txBody>
+      </p:sp>
+      <p:sp>
+        <p:nvSpPr>
+          <p:cNvPr id="5" name="內容版面配置區 4"/>
+          <p:cNvSpPr>
+            <a:spLocks noGrp="1"/>
+          </p:cNvSpPr>
+          <p:nvPr>
+            <p:ph idx="1"/>
+          </p:nvPr>
+        </p:nvSpPr>
+        <p:spPr>
+          <a:xfrm>
+            <a:off x="1524000" y="1600200"/>
+            <a:ext cx="9144000" cy="5257800"/>
+          </a:xfrm>
+        </p:spPr>
+        <p:txBody>
+          <a:bodyPr>
+            <a:noAutofit/>
+          </a:bodyPr>
+          <a:lstStyle/>
+          <a:p>
+            <a:pPr algn="ctr">
+              <a:buNone/>
+            </a:pPr>
+            <a:r>
+              <a:rPr lang="zh-TW" altLang="en-US" sz="5400" b="1" dirty="0">
+                <a:solidFill>
+                  <a:srgbClr val="660033"/>
+                </a:solidFill>
+                <a:latin typeface="微軟正黑體" pitchFamily="34" charset="-120"/>
+                <a:ea typeface="微軟正黑體" pitchFamily="34" charset="-120"/>
+              </a:rPr>
+              <a:t>主求祢充滿我們 來醫治這</a:t>
+            </a:r>
+            <a:r>
+              <a:rPr lang="zh-TW" altLang="en-US" sz="5400" b="1" dirty="0">
+                <a:solidFill>
+                  <a:srgbClr val="660033"/>
+                </a:solidFill>
+                <a:latin typeface="微軟正黑體" pitchFamily="34" charset="-120"/>
+                <a:ea typeface="微軟正黑體" pitchFamily="34" charset="-120"/>
+              </a:rPr>
+              <a:t>地</a:t>
+            </a:r>
+            <a:endParaRPr lang="en-US" altLang="zh-TW" sz="5400" b="1" dirty="0">
+              <a:solidFill>
+                <a:srgbClr val="660033"/>
+              </a:solidFill>
+              <a:latin typeface="微軟正黑體" pitchFamily="34" charset="-120"/>
+              <a:ea typeface="微軟正黑體" pitchFamily="34" charset="-120"/>
+            </a:endParaRPr>
+          </a:p>
+          <a:p>
+            <a:pPr algn="ctr">
+              <a:buNone/>
+            </a:pPr>
+            <a:r>
+              <a:rPr lang="zh-TW" altLang="en-US" sz="5400" b="1" dirty="0">
+                <a:solidFill>
+                  <a:srgbClr val="660033"/>
+                </a:solidFill>
+                <a:latin typeface="微軟正黑體" pitchFamily="34" charset="-120"/>
+                <a:ea typeface="微軟正黑體" pitchFamily="34" charset="-120"/>
+              </a:rPr>
+              <a:t>全</a:t>
+            </a:r>
+            <a:r>
+              <a:rPr lang="zh-TW" altLang="en-US" sz="5400" b="1" dirty="0">
+                <a:solidFill>
+                  <a:srgbClr val="660033"/>
+                </a:solidFill>
+                <a:latin typeface="微軟正黑體" pitchFamily="34" charset="-120"/>
+                <a:ea typeface="微軟正黑體" pitchFamily="34" charset="-120"/>
+              </a:rPr>
+              <a:t>地看見祢榮耀 祢復興</a:t>
+            </a:r>
+            <a:r>
+              <a:rPr lang="zh-TW" altLang="en-US" sz="5400" b="1" dirty="0">
+                <a:solidFill>
+                  <a:srgbClr val="660033"/>
+                </a:solidFill>
+                <a:latin typeface="微軟正黑體" pitchFamily="34" charset="-120"/>
+                <a:ea typeface="微軟正黑體" pitchFamily="34" charset="-120"/>
+              </a:rPr>
+              <a:t>降臨</a:t>
+            </a:r>
+            <a:endParaRPr lang="en-US" altLang="zh-TW" sz="5400" b="1" dirty="0">
+              <a:solidFill>
+                <a:srgbClr val="660033"/>
+              </a:solidFill>
+              <a:latin typeface="微軟正黑體" pitchFamily="34" charset="-120"/>
+              <a:ea typeface="微軟正黑體" pitchFamily="34" charset="-120"/>
+            </a:endParaRPr>
+          </a:p>
+          <a:p>
+            <a:pPr algn="ctr">
+              <a:buNone/>
+            </a:pPr>
+            <a:r>
+              <a:rPr lang="zh-TW" altLang="en-US" sz="5400" b="1" dirty="0">
+                <a:solidFill>
+                  <a:srgbClr val="660033"/>
+                </a:solidFill>
+                <a:latin typeface="微軟正黑體" pitchFamily="34" charset="-120"/>
+                <a:ea typeface="微軟正黑體" pitchFamily="34" charset="-120"/>
+              </a:rPr>
+              <a:t>主</a:t>
+            </a:r>
+            <a:r>
+              <a:rPr lang="zh-TW" altLang="en-US" sz="5400" b="1" dirty="0">
+                <a:solidFill>
+                  <a:srgbClr val="660033"/>
+                </a:solidFill>
+                <a:latin typeface="微軟正黑體" pitchFamily="34" charset="-120"/>
+                <a:ea typeface="微軟正黑體" pitchFamily="34" charset="-120"/>
+              </a:rPr>
+              <a:t>求祢充滿我們 來轉化這</a:t>
+            </a:r>
+            <a:r>
+              <a:rPr lang="zh-TW" altLang="en-US" sz="5400" b="1" dirty="0">
+                <a:solidFill>
+                  <a:srgbClr val="660033"/>
+                </a:solidFill>
+                <a:latin typeface="微軟正黑體" pitchFamily="34" charset="-120"/>
+                <a:ea typeface="微軟正黑體" pitchFamily="34" charset="-120"/>
+              </a:rPr>
+              <a:t>地</a:t>
+            </a:r>
+            <a:endParaRPr lang="en-US" altLang="zh-TW" sz="5400" b="1" dirty="0">
+              <a:solidFill>
+                <a:srgbClr val="660033"/>
+              </a:solidFill>
+              <a:latin typeface="微軟正黑體" pitchFamily="34" charset="-120"/>
+              <a:ea typeface="微軟正黑體" pitchFamily="34" charset="-120"/>
+            </a:endParaRPr>
+          </a:p>
+          <a:p>
+            <a:pPr algn="ctr">
+              <a:buNone/>
+            </a:pPr>
+            <a:r>
+              <a:rPr lang="zh-TW" altLang="en-US" sz="5400" b="1" dirty="0">
+                <a:solidFill>
+                  <a:srgbClr val="660033"/>
+                </a:solidFill>
+                <a:latin typeface="微軟正黑體" pitchFamily="34" charset="-120"/>
+                <a:ea typeface="微軟正黑體" pitchFamily="34" charset="-120"/>
+              </a:rPr>
+              <a:t>全</a:t>
+            </a:r>
+            <a:r>
+              <a:rPr lang="zh-TW" altLang="en-US" sz="5400" b="1" dirty="0">
+                <a:solidFill>
+                  <a:srgbClr val="660033"/>
+                </a:solidFill>
+                <a:latin typeface="微軟正黑體" pitchFamily="34" charset="-120"/>
+                <a:ea typeface="微軟正黑體" pitchFamily="34" charset="-120"/>
+              </a:rPr>
+              <a:t>地尊榮祢聖名 為祢而站立</a:t>
+            </a:r>
+          </a:p>
+        </p:txBody>
+      </p:sp>
+    </p:spTree>
+    <p:extLst>
+      <p:ext uri="{BB962C8B-B14F-4D97-AF65-F5344CB8AC3E}">
+        <p14:creationId xmlns:p14="http://schemas.microsoft.com/office/powerpoint/2010/main" val="1058233093"/>
+      </p:ext>
+    </p:extLst>
   </p:cSld>
   <p:clrMapOvr>
     <a:masterClrMapping/>
